--- a/Assignment 14.pptx
+++ b/Assignment 14.pptx
@@ -20,8 +20,11 @@
     <p:sldId id="264" r:id="rId14"/>
     <p:sldId id="263" r:id="rId15"/>
     <p:sldId id="268" r:id="rId16"/>
-    <p:sldId id="274" r:id="rId17"/>
-    <p:sldId id="266" r:id="rId18"/>
+    <p:sldId id="275" r:id="rId17"/>
+    <p:sldId id="276" r:id="rId18"/>
+    <p:sldId id="277" r:id="rId19"/>
+    <p:sldId id="274" r:id="rId20"/>
+    <p:sldId id="266" r:id="rId21"/>
   </p:sldIdLst>
   <p:sldSz cx="9144000" cy="6858000" type="screen4x3"/>
   <p:notesSz cx="6858000" cy="9144000"/>
@@ -3587,15 +3590,7 @@
                   <a:srgbClr val="1F497D"/>
                 </a:solidFill>
               </a:rPr>
-              <a:t>Quantitative Results </a:t>
-            </a:r>
-            <a:r>
-              <a:rPr lang="en-US" b="1" dirty="0" smtClean="0">
-                <a:solidFill>
-                  <a:srgbClr val="1F497D"/>
-                </a:solidFill>
-              </a:rPr>
-              <a:t>2</a:t>
+              <a:t>Quantitative Results 2</a:t>
             </a:r>
             <a:endParaRPr lang="en-US" b="1" dirty="0">
               <a:solidFill>
@@ -3696,15 +3691,7 @@
                   <a:srgbClr val="1F497D"/>
                 </a:solidFill>
               </a:rPr>
-              <a:t>Quantitative Results </a:t>
-            </a:r>
-            <a:r>
-              <a:rPr lang="en-US" b="1" dirty="0" smtClean="0">
-                <a:solidFill>
-                  <a:srgbClr val="1F497D"/>
-                </a:solidFill>
-              </a:rPr>
-              <a:t>3</a:t>
+              <a:t>Quantitative Results 3</a:t>
             </a:r>
             <a:endParaRPr lang="en-US" b="1" dirty="0">
               <a:solidFill>
@@ -4654,13 +4641,8 @@
           <a:p>
             <a:r>
               <a:rPr lang="en-US" dirty="0" smtClean="0"/>
-              <a:t>Dashboard are developed on the end product to interact with the results and drill down the data if </a:t>
-            </a:r>
-            <a:r>
-              <a:rPr lang="en-US" dirty="0" smtClean="0"/>
-              <a:t>necessary</a:t>
-            </a:r>
-            <a:endParaRPr lang="en-US" dirty="0" smtClean="0"/>
+              <a:t>Dashboard are developed on the end product to interact with the results and drill down the data if necessary</a:t>
+            </a:r>
           </a:p>
         </p:txBody>
       </p:sp>
@@ -4871,7 +4853,6 @@
               <a:rPr lang="en-US" sz="2400" dirty="0"/>
               <a:t>Result can be further enhanced by using the real/live data as the dataset will not be skewed and this would enhance the performance and produce better outcomes.</a:t>
             </a:r>
-            <a:endParaRPr lang="en-US" sz="2400" dirty="0"/>
           </a:p>
         </p:txBody>
       </p:sp>
@@ -4921,284 +4902,85 @@
           <a:lstStyle/>
           <a:p>
             <a:r>
-              <a:rPr lang="en-US" dirty="0" err="1" smtClean="0"/>
-              <a:t>Refrences</a:t>
+              <a:rPr lang="en-US" dirty="0" smtClean="0"/>
+              <a:t>Code</a:t>
             </a:r>
             <a:endParaRPr lang="en-US" dirty="0"/>
           </a:p>
         </p:txBody>
       </p:sp>
-      <p:sp>
-        <p:nvSpPr>
-          <p:cNvPr id="3" name="Content Placeholder 2"/>
-          <p:cNvSpPr>
-            <a:spLocks noGrp="1"/>
-          </p:cNvSpPr>
-          <p:nvPr>
-            <p:ph idx="1"/>
-          </p:nvPr>
-        </p:nvSpPr>
-        <p:spPr/>
-        <p:txBody>
-          <a:bodyPr>
-            <a:normAutofit fontScale="40000" lnSpcReduction="20000"/>
-          </a:bodyPr>
-          <a:lstStyle/>
-          <a:p>
-            <a:pPr lvl="0"/>
-            <a:r>
-              <a:rPr lang="en-US" dirty="0"/>
-              <a:t>Spencer, Matthew, et al. "Executing multiple pipelined data analysis operations in the grid." </a:t>
-            </a:r>
-            <a:r>
-              <a:rPr lang="en-US" i="1" dirty="0"/>
-              <a:t>Proceedings of the 2002 ACM/IEEE conference on Supercomputing</a:t>
-            </a:r>
-            <a:r>
-              <a:rPr lang="en-US" dirty="0"/>
-              <a:t>. IEEE Computer Society Press, 2002.</a:t>
-            </a:r>
-          </a:p>
-          <a:p>
-            <a:pPr lvl="0"/>
-            <a:r>
-              <a:rPr lang="en-US" dirty="0"/>
-              <a:t>Kim, </a:t>
-            </a:r>
-            <a:r>
-              <a:rPr lang="en-US" dirty="0" err="1"/>
-              <a:t>Hwi</a:t>
-            </a:r>
-            <a:r>
-              <a:rPr lang="en-US" dirty="0"/>
-              <a:t>-Gang, </a:t>
-            </a:r>
-            <a:r>
-              <a:rPr lang="en-US" dirty="0" err="1"/>
-              <a:t>Seongjoo</a:t>
-            </a:r>
-            <a:r>
-              <a:rPr lang="en-US" dirty="0"/>
-              <a:t> Lee, and </a:t>
-            </a:r>
-            <a:r>
-              <a:rPr lang="en-US" dirty="0" err="1"/>
-              <a:t>Sunghyon</a:t>
-            </a:r>
-            <a:r>
-              <a:rPr lang="en-US" dirty="0"/>
-              <a:t> </a:t>
-            </a:r>
-            <a:r>
-              <a:rPr lang="en-US" dirty="0" err="1"/>
-              <a:t>Kyeong</a:t>
-            </a:r>
-            <a:r>
-              <a:rPr lang="en-US" dirty="0"/>
-              <a:t>. "Discovering hot topics using Twitter streaming data social topic detection and geographic clustering." </a:t>
-            </a:r>
-            <a:r>
-              <a:rPr lang="en-US" i="1" dirty="0"/>
-              <a:t>Advances in Social Networks Analysis and Mining (ASONAM), 2013 IEEE/ACM International Conference on</a:t>
-            </a:r>
-            <a:r>
-              <a:rPr lang="en-US" dirty="0"/>
-              <a:t>. IEEE, 2013.</a:t>
-            </a:r>
-          </a:p>
-          <a:p>
-            <a:pPr lvl="0"/>
-            <a:r>
-              <a:rPr lang="en-US" dirty="0" err="1"/>
-              <a:t>Buneci</a:t>
-            </a:r>
-            <a:r>
-              <a:rPr lang="en-US" dirty="0"/>
-              <a:t>, Emma S., and Daniel A. Reed. "Analysis of application heartbeats: Learning structural and temporal features in time series data for identification of performance problems." </a:t>
-            </a:r>
-            <a:r>
-              <a:rPr lang="en-US" i="1" dirty="0"/>
-              <a:t>Proceedings of the 2008 ACM/IEEE conference on Supercomputing</a:t>
-            </a:r>
-            <a:r>
-              <a:rPr lang="en-US" dirty="0"/>
-              <a:t>. IEEE Press, 2008.</a:t>
-            </a:r>
-          </a:p>
-          <a:p>
-            <a:pPr lvl="0"/>
-            <a:r>
-              <a:rPr lang="en-US" dirty="0" err="1"/>
-              <a:t>Wolski</a:t>
-            </a:r>
-            <a:r>
-              <a:rPr lang="en-US" dirty="0"/>
-              <a:t>, Rich, Neil Spring, and Chris Peterson. "Implementing a performance forecasting system for </a:t>
-            </a:r>
-            <a:r>
-              <a:rPr lang="en-US" dirty="0" err="1"/>
-              <a:t>metacomputing</a:t>
-            </a:r>
-            <a:r>
-              <a:rPr lang="en-US" dirty="0"/>
-              <a:t> the network weather service." </a:t>
-            </a:r>
-            <a:r>
-              <a:rPr lang="en-US" i="1" dirty="0"/>
-              <a:t>Supercomputing, ACM/IEEE 1997 Conference</a:t>
-            </a:r>
-            <a:r>
-              <a:rPr lang="en-US" dirty="0"/>
-              <a:t>. IEEE, 1997.</a:t>
-            </a:r>
-          </a:p>
-          <a:p>
-            <a:pPr lvl="0"/>
-            <a:r>
-              <a:rPr lang="en-US" dirty="0"/>
-              <a:t>Roe, Kevin, Duane Stevens, and Carol McCord. "High resolution weather modeling for improved fire management." </a:t>
-            </a:r>
-            <a:r>
-              <a:rPr lang="en-US" i="1" dirty="0"/>
-              <a:t>Proceedings of the 2001 ACM/IEEE Conference on Supercomputing</a:t>
-            </a:r>
-            <a:r>
-              <a:rPr lang="en-US" dirty="0"/>
-              <a:t>. ACM, 2001.</a:t>
-            </a:r>
-          </a:p>
-          <a:p>
-            <a:pPr lvl="0"/>
-            <a:r>
-              <a:rPr lang="en-US" dirty="0"/>
-              <a:t>James Stephen, Julian, et al. "Program analysis for secure big data processing." </a:t>
-            </a:r>
-            <a:r>
-              <a:rPr lang="en-US" i="1" dirty="0"/>
-              <a:t>Proceedings of the 29th ACM/IEEE international conference on Automated software engineering</a:t>
-            </a:r>
-            <a:r>
-              <a:rPr lang="en-US" dirty="0"/>
-              <a:t>. ACM, 2014.</a:t>
-            </a:r>
-          </a:p>
-          <a:p>
-            <a:pPr lvl="0"/>
-            <a:r>
-              <a:rPr lang="en-US" dirty="0" err="1"/>
-              <a:t>Swany</a:t>
-            </a:r>
-            <a:r>
-              <a:rPr lang="en-US" dirty="0"/>
-              <a:t>, Martin, and Rich </a:t>
-            </a:r>
-            <a:r>
-              <a:rPr lang="en-US" dirty="0" err="1"/>
-              <a:t>Wolski</a:t>
-            </a:r>
-            <a:r>
-              <a:rPr lang="en-US" dirty="0"/>
-              <a:t>. "Multivariate resource performance forecasting in the network weather service." </a:t>
-            </a:r>
-            <a:r>
-              <a:rPr lang="en-US" i="1" dirty="0"/>
-              <a:t>Supercomputing, ACM/IEEE 2002 Conference</a:t>
-            </a:r>
-            <a:r>
-              <a:rPr lang="en-US" dirty="0"/>
-              <a:t>. IEEE, 2002.</a:t>
-            </a:r>
-          </a:p>
-          <a:p>
-            <a:pPr lvl="0"/>
-            <a:r>
-              <a:rPr lang="en-US" dirty="0" err="1"/>
-              <a:t>Primet</a:t>
-            </a:r>
-            <a:r>
-              <a:rPr lang="en-US" dirty="0"/>
-              <a:t>, Pascale, Robert </a:t>
-            </a:r>
-            <a:r>
-              <a:rPr lang="en-US" dirty="0" err="1"/>
-              <a:t>Harakaly</a:t>
-            </a:r>
-            <a:r>
-              <a:rPr lang="en-US" dirty="0"/>
-              <a:t>, and Franck </a:t>
-            </a:r>
-            <a:r>
-              <a:rPr lang="en-US" dirty="0" err="1"/>
-              <a:t>Bonnassieux</a:t>
-            </a:r>
-            <a:r>
-              <a:rPr lang="en-US" dirty="0"/>
-              <a:t>. "Experiments of network throughput measurement and forecasting using the network weather." </a:t>
-            </a:r>
-            <a:r>
-              <a:rPr lang="en-US" i="1" dirty="0"/>
-              <a:t>Cluster Computing and the Grid, 2002. 2nd IEEE/ACM International Symposium on</a:t>
-            </a:r>
-            <a:r>
-              <a:rPr lang="en-US" dirty="0"/>
-              <a:t>. IEEE, 2002.</a:t>
-            </a:r>
-          </a:p>
-          <a:p>
-            <a:pPr lvl="0"/>
-            <a:r>
-              <a:rPr lang="en-US" dirty="0"/>
-              <a:t>Cheng, </a:t>
-            </a:r>
-            <a:r>
-              <a:rPr lang="en-US" dirty="0" err="1"/>
-              <a:t>Shanjun</a:t>
-            </a:r>
-            <a:r>
-              <a:rPr lang="en-US" dirty="0"/>
-              <a:t>, Anita Raja, and Victor Lesser. "</a:t>
-            </a:r>
-            <a:r>
-              <a:rPr lang="en-US" dirty="0" err="1"/>
-              <a:t>Multiagent</a:t>
-            </a:r>
-            <a:r>
-              <a:rPr lang="en-US" dirty="0"/>
-              <a:t> meta-level control for a network of weather radars." </a:t>
-            </a:r>
-            <a:r>
-              <a:rPr lang="en-US" i="1" dirty="0"/>
-              <a:t>Web Intelligence and Intelligent Agent Technology (WI-IAT), 2010 IEEE/WIC/ACM International Conference on</a:t>
-            </a:r>
-            <a:r>
-              <a:rPr lang="en-US" dirty="0"/>
-              <a:t>. Vol. 2. IEEE, 2010.</a:t>
-            </a:r>
-          </a:p>
-          <a:p>
-            <a:pPr lvl="0"/>
-            <a:r>
-              <a:rPr lang="en-US" dirty="0"/>
-              <a:t>Roe, Kevin, Duane Stevens, and Carol McCord. "High resolution weather modeling for improved fire management." </a:t>
-            </a:r>
-            <a:r>
-              <a:rPr lang="en-US" i="1" dirty="0"/>
-              <a:t>Proceedings of the 2001 ACM/IEEE Conference on Supercomputing</a:t>
-            </a:r>
-            <a:r>
-              <a:rPr lang="en-US" dirty="0"/>
-              <a:t>. ACM, 2001.</a:t>
-            </a:r>
-          </a:p>
-          <a:p>
-            <a:endParaRPr lang="en-US" dirty="0"/>
-          </a:p>
-        </p:txBody>
-      </p:sp>
+      <p:pic>
+        <p:nvPicPr>
+          <p:cNvPr id="4" name="Content Placeholder 3"/>
+          <p:cNvPicPr>
+            <a:picLocks noGrp="1"/>
+          </p:cNvPicPr>
+          <p:nvPr/>
+        </p:nvPicPr>
+        <p:blipFill>
+          <a:blip r:embed="rId2" cstate="print">
+            <a:extLst>
+              <a:ext uri="{28A0092B-C50C-407E-A947-70E740481C1C}">
+                <a14:useLocalDpi xmlns:a14="http://schemas.microsoft.com/office/drawing/2010/main" val="0"/>
+              </a:ext>
+            </a:extLst>
+          </a:blip>
+          <a:srcRect/>
+          <a:stretch>
+            <a:fillRect/>
+          </a:stretch>
+        </p:blipFill>
+        <p:spPr bwMode="auto">
+          <a:xfrm>
+            <a:off x="403894" y="1600200"/>
+            <a:ext cx="7623687" cy="1844749"/>
+          </a:xfrm>
+          <a:prstGeom prst="rect">
+            <a:avLst/>
+          </a:prstGeom>
+          <a:noFill/>
+          <a:ln>
+            <a:noFill/>
+          </a:ln>
+        </p:spPr>
+      </p:pic>
+      <p:pic>
+        <p:nvPicPr>
+          <p:cNvPr id="5" name="Picture 4"/>
+          <p:cNvPicPr/>
+          <p:nvPr/>
+        </p:nvPicPr>
+        <p:blipFill>
+          <a:blip r:embed="rId3" cstate="print">
+            <a:extLst>
+              <a:ext uri="{28A0092B-C50C-407E-A947-70E740481C1C}">
+                <a14:useLocalDpi xmlns:a14="http://schemas.microsoft.com/office/drawing/2010/main" val="0"/>
+              </a:ext>
+            </a:extLst>
+          </a:blip>
+          <a:srcRect/>
+          <a:stretch>
+            <a:fillRect/>
+          </a:stretch>
+        </p:blipFill>
+        <p:spPr bwMode="auto">
+          <a:xfrm>
+            <a:off x="403894" y="3444949"/>
+            <a:ext cx="5934075" cy="3357880"/>
+          </a:xfrm>
+          <a:prstGeom prst="rect">
+            <a:avLst/>
+          </a:prstGeom>
+          <a:noFill/>
+          <a:ln>
+            <a:noFill/>
+          </a:ln>
+        </p:spPr>
+      </p:pic>
     </p:spTree>
     <p:extLst>
       <p:ext uri="{BB962C8B-B14F-4D97-AF65-F5344CB8AC3E}">
-        <p14:creationId xmlns:p14="http://schemas.microsoft.com/office/powerpoint/2010/main" val="1213004313"/>
+        <p14:creationId xmlns:p14="http://schemas.microsoft.com/office/powerpoint/2010/main" val="2935387956"/>
       </p:ext>
     </p:extLst>
   </p:cSld>
@@ -5235,131 +5017,454 @@
             <p:ph type="title"/>
           </p:nvPr>
         </p:nvSpPr>
-        <p:spPr>
-          <a:solidFill>
-            <a:srgbClr val="FFFFFF"/>
-          </a:solidFill>
-        </p:spPr>
+        <p:spPr/>
         <p:txBody>
           <a:bodyPr/>
           <a:lstStyle/>
           <a:p>
             <a:r>
-              <a:rPr lang="en-US" b="1" dirty="0" smtClean="0">
-                <a:solidFill>
-                  <a:srgbClr val="1F497D"/>
-                </a:solidFill>
-              </a:rPr>
-              <a:t>Quiz for Your Classmates</a:t>
-            </a:r>
-            <a:endParaRPr lang="en-US" b="1" dirty="0">
-              <a:solidFill>
-                <a:srgbClr val="1F497D"/>
-              </a:solidFill>
-            </a:endParaRPr>
-          </a:p>
-        </p:txBody>
-      </p:sp>
-      <p:sp>
-        <p:nvSpPr>
-          <p:cNvPr id="3" name="Content Placeholder 2"/>
-          <p:cNvSpPr>
-            <a:spLocks noGrp="1"/>
-          </p:cNvSpPr>
+              <a:rPr lang="en-US" dirty="0" smtClean="0"/>
+              <a:t>Packages and data load</a:t>
+            </a:r>
+            <a:endParaRPr lang="en-US" dirty="0"/>
+          </a:p>
+        </p:txBody>
+      </p:sp>
+      <p:pic>
+        <p:nvPicPr>
+          <p:cNvPr id="4" name="Content Placeholder 3"/>
+          <p:cNvPicPr>
+            <a:picLocks noGrp="1" noChangeAspect="1"/>
+          </p:cNvPicPr>
           <p:nvPr>
             <p:ph idx="1"/>
           </p:nvPr>
-        </p:nvSpPr>
-        <p:spPr/>
-        <p:txBody>
-          <a:bodyPr/>
-          <a:lstStyle/>
-          <a:p>
-            <a:r>
-              <a:rPr lang="en-US" dirty="0" smtClean="0">
-                <a:solidFill>
-                  <a:srgbClr val="1F497D"/>
-                </a:solidFill>
-              </a:rPr>
-              <a:t>What statistical method was used?</a:t>
-            </a:r>
-          </a:p>
-          <a:p>
-            <a:pPr marL="0" indent="0">
-              <a:buNone/>
-            </a:pPr>
-            <a:endParaRPr lang="en-US" dirty="0" smtClean="0">
-              <a:solidFill>
-                <a:srgbClr val="1F497D"/>
-              </a:solidFill>
-            </a:endParaRPr>
-          </a:p>
-          <a:p>
-            <a:r>
-              <a:rPr lang="en-US" dirty="0" smtClean="0">
-                <a:solidFill>
-                  <a:srgbClr val="1F497D"/>
-                </a:solidFill>
-              </a:rPr>
-              <a:t>What programming tool was used?</a:t>
-            </a:r>
-          </a:p>
-          <a:p>
-            <a:pPr marL="0" indent="0">
-              <a:buNone/>
-            </a:pPr>
-            <a:endParaRPr lang="en-US" dirty="0" smtClean="0">
-              <a:solidFill>
-                <a:srgbClr val="1F497D"/>
-              </a:solidFill>
-            </a:endParaRPr>
-          </a:p>
-          <a:p>
-            <a:r>
-              <a:rPr lang="en-US" dirty="0" smtClean="0">
-                <a:solidFill>
-                  <a:srgbClr val="1F497D"/>
-                </a:solidFill>
-              </a:rPr>
-              <a:t>What scientific contribution was made?</a:t>
-            </a:r>
-          </a:p>
-          <a:p>
-            <a:endParaRPr lang="en-US" dirty="0">
-              <a:solidFill>
-                <a:srgbClr val="1F497D"/>
-              </a:solidFill>
-            </a:endParaRPr>
-          </a:p>
-          <a:p>
-            <a:r>
-              <a:rPr lang="en-US" dirty="0" smtClean="0">
-                <a:solidFill>
-                  <a:srgbClr val="1F497D"/>
-                </a:solidFill>
-              </a:rPr>
-              <a:t>What idea could be useful for </a:t>
-            </a:r>
-            <a:r>
-              <a:rPr lang="en-US" smtClean="0">
-                <a:solidFill>
-                  <a:srgbClr val="1F497D"/>
-                </a:solidFill>
-              </a:rPr>
-              <a:t>your project?</a:t>
-            </a:r>
-            <a:endParaRPr lang="en-US" dirty="0">
-              <a:solidFill>
-                <a:srgbClr val="1F497D"/>
-              </a:solidFill>
-            </a:endParaRPr>
-          </a:p>
-        </p:txBody>
-      </p:sp>
+        </p:nvPicPr>
+        <p:blipFill>
+          <a:blip r:embed="rId2">
+            <a:extLst>
+              <a:ext uri="{28A0092B-C50C-407E-A947-70E740481C1C}">
+                <a14:useLocalDpi xmlns:a14="http://schemas.microsoft.com/office/drawing/2010/main" val="0"/>
+              </a:ext>
+            </a:extLst>
+          </a:blip>
+          <a:stretch>
+            <a:fillRect/>
+          </a:stretch>
+        </p:blipFill>
+        <p:spPr>
+          <a:xfrm>
+            <a:off x="776071" y="1600200"/>
+            <a:ext cx="7326044" cy="4525963"/>
+          </a:xfrm>
+        </p:spPr>
+      </p:pic>
     </p:spTree>
     <p:extLst>
       <p:ext uri="{BB962C8B-B14F-4D97-AF65-F5344CB8AC3E}">
-        <p14:creationId xmlns:p14="http://schemas.microsoft.com/office/powerpoint/2010/main" val="786840279"/>
+        <p14:creationId xmlns:p14="http://schemas.microsoft.com/office/powerpoint/2010/main" val="468772630"/>
+      </p:ext>
+    </p:extLst>
+  </p:cSld>
+  <p:clrMapOvr>
+    <a:masterClrMapping/>
+  </p:clrMapOvr>
+</p:sld>
+</file>
+
+<file path=ppt/slides/slide18.xml><?xml version="1.0" encoding="utf-8"?>
+<p:sld xmlns:a="http://schemas.openxmlformats.org/drawingml/2006/main" xmlns:r="http://schemas.openxmlformats.org/officeDocument/2006/relationships" xmlns:p="http://schemas.openxmlformats.org/presentationml/2006/main">
+  <p:cSld>
+    <p:spTree>
+      <p:nvGrpSpPr>
+        <p:cNvPr id="1" name=""/>
+        <p:cNvGrpSpPr/>
+        <p:nvPr/>
+      </p:nvGrpSpPr>
+      <p:grpSpPr>
+        <a:xfrm>
+          <a:off x="0" y="0"/>
+          <a:ext cx="0" cy="0"/>
+          <a:chOff x="0" y="0"/>
+          <a:chExt cx="0" cy="0"/>
+        </a:xfrm>
+      </p:grpSpPr>
+      <p:sp>
+        <p:nvSpPr>
+          <p:cNvPr id="2" name="Title 1"/>
+          <p:cNvSpPr>
+            <a:spLocks noGrp="1"/>
+          </p:cNvSpPr>
+          <p:nvPr>
+            <p:ph type="title"/>
+          </p:nvPr>
+        </p:nvSpPr>
+        <p:spPr/>
+        <p:txBody>
+          <a:bodyPr/>
+          <a:lstStyle/>
+          <a:p>
+            <a:r>
+              <a:rPr lang="en-US" dirty="0" smtClean="0"/>
+              <a:t>Regression</a:t>
+            </a:r>
+            <a:endParaRPr lang="en-US" dirty="0"/>
+          </a:p>
+        </p:txBody>
+      </p:sp>
+      <p:pic>
+        <p:nvPicPr>
+          <p:cNvPr id="4" name="Content Placeholder 3"/>
+          <p:cNvPicPr>
+            <a:picLocks noGrp="1" noChangeAspect="1"/>
+          </p:cNvPicPr>
+          <p:nvPr>
+            <p:ph idx="1"/>
+          </p:nvPr>
+        </p:nvPicPr>
+        <p:blipFill>
+          <a:blip r:embed="rId2">
+            <a:extLst>
+              <a:ext uri="{28A0092B-C50C-407E-A947-70E740481C1C}">
+                <a14:useLocalDpi xmlns:a14="http://schemas.microsoft.com/office/drawing/2010/main" val="0"/>
+              </a:ext>
+            </a:extLst>
+          </a:blip>
+          <a:stretch>
+            <a:fillRect/>
+          </a:stretch>
+        </p:blipFill>
+        <p:spPr>
+          <a:xfrm>
+            <a:off x="457200" y="1675063"/>
+            <a:ext cx="8229600" cy="4376237"/>
+          </a:xfrm>
+        </p:spPr>
+      </p:pic>
+    </p:spTree>
+    <p:extLst>
+      <p:ext uri="{BB962C8B-B14F-4D97-AF65-F5344CB8AC3E}">
+        <p14:creationId xmlns:p14="http://schemas.microsoft.com/office/powerpoint/2010/main" val="2493982169"/>
+      </p:ext>
+    </p:extLst>
+  </p:cSld>
+  <p:clrMapOvr>
+    <a:masterClrMapping/>
+  </p:clrMapOvr>
+</p:sld>
+</file>
+
+<file path=ppt/slides/slide19.xml><?xml version="1.0" encoding="utf-8"?>
+<p:sld xmlns:a="http://schemas.openxmlformats.org/drawingml/2006/main" xmlns:r="http://schemas.openxmlformats.org/officeDocument/2006/relationships" xmlns:p="http://schemas.openxmlformats.org/presentationml/2006/main">
+  <p:cSld>
+    <p:spTree>
+      <p:nvGrpSpPr>
+        <p:cNvPr id="1" name=""/>
+        <p:cNvGrpSpPr/>
+        <p:nvPr/>
+      </p:nvGrpSpPr>
+      <p:grpSpPr>
+        <a:xfrm>
+          <a:off x="0" y="0"/>
+          <a:ext cx="0" cy="0"/>
+          <a:chOff x="0" y="0"/>
+          <a:chExt cx="0" cy="0"/>
+        </a:xfrm>
+      </p:grpSpPr>
+      <p:sp>
+        <p:nvSpPr>
+          <p:cNvPr id="2" name="Title 1"/>
+          <p:cNvSpPr>
+            <a:spLocks noGrp="1"/>
+          </p:cNvSpPr>
+          <p:nvPr>
+            <p:ph type="title"/>
+          </p:nvPr>
+        </p:nvSpPr>
+        <p:spPr/>
+        <p:txBody>
+          <a:bodyPr/>
+          <a:lstStyle/>
+          <a:p>
+            <a:r>
+              <a:rPr lang="en-US" dirty="0" err="1" smtClean="0"/>
+              <a:t>Refrences</a:t>
+            </a:r>
+            <a:endParaRPr lang="en-US" dirty="0"/>
+          </a:p>
+        </p:txBody>
+      </p:sp>
+      <p:sp>
+        <p:nvSpPr>
+          <p:cNvPr id="3" name="Content Placeholder 2"/>
+          <p:cNvSpPr>
+            <a:spLocks noGrp="1"/>
+          </p:cNvSpPr>
+          <p:nvPr>
+            <p:ph idx="1"/>
+          </p:nvPr>
+        </p:nvSpPr>
+        <p:spPr/>
+        <p:txBody>
+          <a:bodyPr>
+            <a:normAutofit fontScale="40000" lnSpcReduction="20000"/>
+          </a:bodyPr>
+          <a:lstStyle/>
+          <a:p>
+            <a:pPr lvl="0"/>
+            <a:r>
+              <a:rPr lang="en-US" dirty="0"/>
+              <a:t>Spencer, Matthew, et al. "Executing multiple pipelined data analysis operations in the grid." </a:t>
+            </a:r>
+            <a:r>
+              <a:rPr lang="en-US" i="1" dirty="0"/>
+              <a:t>Proceedings of the 2002 ACM/IEEE conference on Supercomputing</a:t>
+            </a:r>
+            <a:r>
+              <a:rPr lang="en-US" dirty="0"/>
+              <a:t>. IEEE Computer Society Press, 2002.</a:t>
+            </a:r>
+          </a:p>
+          <a:p>
+            <a:pPr lvl="0"/>
+            <a:r>
+              <a:rPr lang="en-US" dirty="0"/>
+              <a:t>Kim, </a:t>
+            </a:r>
+            <a:r>
+              <a:rPr lang="en-US" dirty="0" err="1"/>
+              <a:t>Hwi</a:t>
+            </a:r>
+            <a:r>
+              <a:rPr lang="en-US" dirty="0"/>
+              <a:t>-Gang, </a:t>
+            </a:r>
+            <a:r>
+              <a:rPr lang="en-US" dirty="0" err="1"/>
+              <a:t>Seongjoo</a:t>
+            </a:r>
+            <a:r>
+              <a:rPr lang="en-US" dirty="0"/>
+              <a:t> Lee, and </a:t>
+            </a:r>
+            <a:r>
+              <a:rPr lang="en-US" dirty="0" err="1"/>
+              <a:t>Sunghyon</a:t>
+            </a:r>
+            <a:r>
+              <a:rPr lang="en-US" dirty="0"/>
+              <a:t> </a:t>
+            </a:r>
+            <a:r>
+              <a:rPr lang="en-US" dirty="0" err="1"/>
+              <a:t>Kyeong</a:t>
+            </a:r>
+            <a:r>
+              <a:rPr lang="en-US" dirty="0"/>
+              <a:t>. "Discovering hot topics using Twitter streaming data social topic detection and geographic clustering." </a:t>
+            </a:r>
+            <a:r>
+              <a:rPr lang="en-US" i="1" dirty="0"/>
+              <a:t>Advances in Social Networks Analysis and Mining (ASONAM), 2013 IEEE/ACM International Conference on</a:t>
+            </a:r>
+            <a:r>
+              <a:rPr lang="en-US" dirty="0"/>
+              <a:t>. IEEE, 2013.</a:t>
+            </a:r>
+          </a:p>
+          <a:p>
+            <a:pPr lvl="0"/>
+            <a:r>
+              <a:rPr lang="en-US" dirty="0" err="1"/>
+              <a:t>Buneci</a:t>
+            </a:r>
+            <a:r>
+              <a:rPr lang="en-US" dirty="0"/>
+              <a:t>, Emma S., and Daniel A. Reed. "Analysis of application heartbeats: Learning structural and temporal features in time series data for identification of performance problems." </a:t>
+            </a:r>
+            <a:r>
+              <a:rPr lang="en-US" i="1" dirty="0"/>
+              <a:t>Proceedings of the 2008 ACM/IEEE conference on Supercomputing</a:t>
+            </a:r>
+            <a:r>
+              <a:rPr lang="en-US" dirty="0"/>
+              <a:t>. IEEE Press, 2008.</a:t>
+            </a:r>
+          </a:p>
+          <a:p>
+            <a:pPr lvl="0"/>
+            <a:r>
+              <a:rPr lang="en-US" dirty="0" err="1"/>
+              <a:t>Wolski</a:t>
+            </a:r>
+            <a:r>
+              <a:rPr lang="en-US" dirty="0"/>
+              <a:t>, Rich, Neil Spring, and Chris Peterson. "Implementing a performance forecasting system for </a:t>
+            </a:r>
+            <a:r>
+              <a:rPr lang="en-US" dirty="0" err="1"/>
+              <a:t>metacomputing</a:t>
+            </a:r>
+            <a:r>
+              <a:rPr lang="en-US" dirty="0"/>
+              <a:t> the network weather service." </a:t>
+            </a:r>
+            <a:r>
+              <a:rPr lang="en-US" i="1" dirty="0"/>
+              <a:t>Supercomputing, ACM/IEEE 1997 Conference</a:t>
+            </a:r>
+            <a:r>
+              <a:rPr lang="en-US" dirty="0"/>
+              <a:t>. IEEE, 1997.</a:t>
+            </a:r>
+          </a:p>
+          <a:p>
+            <a:pPr lvl="0"/>
+            <a:r>
+              <a:rPr lang="en-US" dirty="0"/>
+              <a:t>Roe, Kevin, Duane Stevens, and Carol McCord. "High resolution weather modeling for improved fire management." </a:t>
+            </a:r>
+            <a:r>
+              <a:rPr lang="en-US" i="1" dirty="0"/>
+              <a:t>Proceedings of the 2001 ACM/IEEE Conference on Supercomputing</a:t>
+            </a:r>
+            <a:r>
+              <a:rPr lang="en-US" dirty="0"/>
+              <a:t>. ACM, 2001.</a:t>
+            </a:r>
+          </a:p>
+          <a:p>
+            <a:pPr lvl="0"/>
+            <a:r>
+              <a:rPr lang="en-US" dirty="0"/>
+              <a:t>James Stephen, Julian, et al. "Program analysis for secure big data processing." </a:t>
+            </a:r>
+            <a:r>
+              <a:rPr lang="en-US" i="1" dirty="0"/>
+              <a:t>Proceedings of the 29th ACM/IEEE international conference on Automated software engineering</a:t>
+            </a:r>
+            <a:r>
+              <a:rPr lang="en-US" dirty="0"/>
+              <a:t>. ACM, 2014.</a:t>
+            </a:r>
+          </a:p>
+          <a:p>
+            <a:pPr lvl="0"/>
+            <a:r>
+              <a:rPr lang="en-US" dirty="0" err="1"/>
+              <a:t>Swany</a:t>
+            </a:r>
+            <a:r>
+              <a:rPr lang="en-US" dirty="0"/>
+              <a:t>, Martin, and Rich </a:t>
+            </a:r>
+            <a:r>
+              <a:rPr lang="en-US" dirty="0" err="1"/>
+              <a:t>Wolski</a:t>
+            </a:r>
+            <a:r>
+              <a:rPr lang="en-US" dirty="0"/>
+              <a:t>. "Multivariate resource performance forecasting in the network weather service." </a:t>
+            </a:r>
+            <a:r>
+              <a:rPr lang="en-US" i="1" dirty="0"/>
+              <a:t>Supercomputing, ACM/IEEE 2002 Conference</a:t>
+            </a:r>
+            <a:r>
+              <a:rPr lang="en-US" dirty="0"/>
+              <a:t>. IEEE, 2002.</a:t>
+            </a:r>
+          </a:p>
+          <a:p>
+            <a:pPr lvl="0"/>
+            <a:r>
+              <a:rPr lang="en-US" dirty="0" err="1"/>
+              <a:t>Primet</a:t>
+            </a:r>
+            <a:r>
+              <a:rPr lang="en-US" dirty="0"/>
+              <a:t>, Pascale, Robert </a:t>
+            </a:r>
+            <a:r>
+              <a:rPr lang="en-US" dirty="0" err="1"/>
+              <a:t>Harakaly</a:t>
+            </a:r>
+            <a:r>
+              <a:rPr lang="en-US" dirty="0"/>
+              <a:t>, and Franck </a:t>
+            </a:r>
+            <a:r>
+              <a:rPr lang="en-US" dirty="0" err="1"/>
+              <a:t>Bonnassieux</a:t>
+            </a:r>
+            <a:r>
+              <a:rPr lang="en-US" dirty="0"/>
+              <a:t>. "Experiments of network throughput measurement and forecasting using the network weather." </a:t>
+            </a:r>
+            <a:r>
+              <a:rPr lang="en-US" i="1" dirty="0"/>
+              <a:t>Cluster Computing and the Grid, 2002. 2nd IEEE/ACM International Symposium on</a:t>
+            </a:r>
+            <a:r>
+              <a:rPr lang="en-US" dirty="0"/>
+              <a:t>. IEEE, 2002.</a:t>
+            </a:r>
+          </a:p>
+          <a:p>
+            <a:pPr lvl="0"/>
+            <a:r>
+              <a:rPr lang="en-US" dirty="0"/>
+              <a:t>Cheng, </a:t>
+            </a:r>
+            <a:r>
+              <a:rPr lang="en-US" dirty="0" err="1"/>
+              <a:t>Shanjun</a:t>
+            </a:r>
+            <a:r>
+              <a:rPr lang="en-US" dirty="0"/>
+              <a:t>, Anita Raja, and Victor Lesser. "</a:t>
+            </a:r>
+            <a:r>
+              <a:rPr lang="en-US" dirty="0" err="1"/>
+              <a:t>Multiagent</a:t>
+            </a:r>
+            <a:r>
+              <a:rPr lang="en-US" dirty="0"/>
+              <a:t> meta-level control for a network of weather radars." </a:t>
+            </a:r>
+            <a:r>
+              <a:rPr lang="en-US" i="1" dirty="0"/>
+              <a:t>Web Intelligence and Intelligent Agent Technology (WI-IAT), 2010 IEEE/WIC/ACM International Conference on</a:t>
+            </a:r>
+            <a:r>
+              <a:rPr lang="en-US" dirty="0"/>
+              <a:t>. Vol. 2. IEEE, 2010.</a:t>
+            </a:r>
+          </a:p>
+          <a:p>
+            <a:pPr lvl="0"/>
+            <a:r>
+              <a:rPr lang="en-US" dirty="0"/>
+              <a:t>Roe, Kevin, Duane Stevens, and Carol McCord. "High resolution weather modeling for improved fire management." </a:t>
+            </a:r>
+            <a:r>
+              <a:rPr lang="en-US" i="1" dirty="0"/>
+              <a:t>Proceedings of the 2001 ACM/IEEE Conference on Supercomputing</a:t>
+            </a:r>
+            <a:r>
+              <a:rPr lang="en-US" dirty="0"/>
+              <a:t>. ACM, 2001.</a:t>
+            </a:r>
+          </a:p>
+          <a:p>
+            <a:endParaRPr lang="en-US" dirty="0"/>
+          </a:p>
+        </p:txBody>
+      </p:sp>
+    </p:spTree>
+    <p:extLst>
+      <p:ext uri="{BB962C8B-B14F-4D97-AF65-F5344CB8AC3E}">
+        <p14:creationId xmlns:p14="http://schemas.microsoft.com/office/powerpoint/2010/main" val="1213004313"/>
       </p:ext>
     </p:extLst>
   </p:cSld>
@@ -5466,7 +5571,6 @@
               <a:rPr lang="en-US" dirty="0"/>
               <a:t>competitor used neural network with 2 nodes to identify the maximum accuracy.</a:t>
             </a:r>
-            <a:endParaRPr lang="en-US" dirty="0"/>
           </a:p>
         </p:txBody>
       </p:sp>
@@ -5496,6 +5600,167 @@
     <p:extLst>
       <p:ext uri="{BB962C8B-B14F-4D97-AF65-F5344CB8AC3E}">
         <p14:creationId xmlns:p14="http://schemas.microsoft.com/office/powerpoint/2010/main" val="1519792236"/>
+      </p:ext>
+    </p:extLst>
+  </p:cSld>
+  <p:clrMapOvr>
+    <a:masterClrMapping/>
+  </p:clrMapOvr>
+</p:sld>
+</file>
+
+<file path=ppt/slides/slide20.xml><?xml version="1.0" encoding="utf-8"?>
+<p:sld xmlns:a="http://schemas.openxmlformats.org/drawingml/2006/main" xmlns:r="http://schemas.openxmlformats.org/officeDocument/2006/relationships" xmlns:p="http://schemas.openxmlformats.org/presentationml/2006/main">
+  <p:cSld>
+    <p:spTree>
+      <p:nvGrpSpPr>
+        <p:cNvPr id="1" name=""/>
+        <p:cNvGrpSpPr/>
+        <p:nvPr/>
+      </p:nvGrpSpPr>
+      <p:grpSpPr>
+        <a:xfrm>
+          <a:off x="0" y="0"/>
+          <a:ext cx="0" cy="0"/>
+          <a:chOff x="0" y="0"/>
+          <a:chExt cx="0" cy="0"/>
+        </a:xfrm>
+      </p:grpSpPr>
+      <p:sp>
+        <p:nvSpPr>
+          <p:cNvPr id="2" name="Title 1"/>
+          <p:cNvSpPr>
+            <a:spLocks noGrp="1"/>
+          </p:cNvSpPr>
+          <p:nvPr>
+            <p:ph type="title"/>
+          </p:nvPr>
+        </p:nvSpPr>
+        <p:spPr>
+          <a:solidFill>
+            <a:srgbClr val="FFFFFF"/>
+          </a:solidFill>
+        </p:spPr>
+        <p:txBody>
+          <a:bodyPr/>
+          <a:lstStyle/>
+          <a:p>
+            <a:r>
+              <a:rPr lang="en-US" b="1" dirty="0" smtClean="0">
+                <a:solidFill>
+                  <a:srgbClr val="1F497D"/>
+                </a:solidFill>
+              </a:rPr>
+              <a:t>Quiz for Your Classmates</a:t>
+            </a:r>
+            <a:endParaRPr lang="en-US" b="1" dirty="0">
+              <a:solidFill>
+                <a:srgbClr val="1F497D"/>
+              </a:solidFill>
+            </a:endParaRPr>
+          </a:p>
+        </p:txBody>
+      </p:sp>
+      <p:sp>
+        <p:nvSpPr>
+          <p:cNvPr id="3" name="Content Placeholder 2"/>
+          <p:cNvSpPr>
+            <a:spLocks noGrp="1"/>
+          </p:cNvSpPr>
+          <p:nvPr>
+            <p:ph idx="1"/>
+          </p:nvPr>
+        </p:nvSpPr>
+        <p:spPr/>
+        <p:txBody>
+          <a:bodyPr/>
+          <a:lstStyle/>
+          <a:p>
+            <a:r>
+              <a:rPr lang="en-US" dirty="0" smtClean="0">
+                <a:solidFill>
+                  <a:srgbClr val="1F497D"/>
+                </a:solidFill>
+              </a:rPr>
+              <a:t>What statistical method was used?</a:t>
+            </a:r>
+          </a:p>
+          <a:p>
+            <a:pPr marL="0" indent="0">
+              <a:buNone/>
+            </a:pPr>
+            <a:endParaRPr lang="en-US" dirty="0" smtClean="0">
+              <a:solidFill>
+                <a:srgbClr val="1F497D"/>
+              </a:solidFill>
+            </a:endParaRPr>
+          </a:p>
+          <a:p>
+            <a:r>
+              <a:rPr lang="en-US" dirty="0" smtClean="0">
+                <a:solidFill>
+                  <a:srgbClr val="1F497D"/>
+                </a:solidFill>
+              </a:rPr>
+              <a:t>What programming tool was used?</a:t>
+            </a:r>
+          </a:p>
+          <a:p>
+            <a:pPr marL="0" indent="0">
+              <a:buNone/>
+            </a:pPr>
+            <a:endParaRPr lang="en-US" dirty="0" smtClean="0">
+              <a:solidFill>
+                <a:srgbClr val="1F497D"/>
+              </a:solidFill>
+            </a:endParaRPr>
+          </a:p>
+          <a:p>
+            <a:r>
+              <a:rPr lang="en-US" dirty="0" smtClean="0">
+                <a:solidFill>
+                  <a:srgbClr val="1F497D"/>
+                </a:solidFill>
+              </a:rPr>
+              <a:t>What scientific contribution was made?</a:t>
+            </a:r>
+          </a:p>
+          <a:p>
+            <a:endParaRPr lang="en-US" dirty="0">
+              <a:solidFill>
+                <a:srgbClr val="1F497D"/>
+              </a:solidFill>
+            </a:endParaRPr>
+          </a:p>
+          <a:p>
+            <a:r>
+              <a:rPr lang="en-US" dirty="0" smtClean="0">
+                <a:solidFill>
+                  <a:srgbClr val="1F497D"/>
+                </a:solidFill>
+              </a:rPr>
+              <a:t>What idea could be useful for </a:t>
+            </a:r>
+            <a:r>
+              <a:rPr lang="en-US" smtClean="0">
+                <a:solidFill>
+                  <a:srgbClr val="1F497D"/>
+                </a:solidFill>
+              </a:rPr>
+              <a:t>your project?</a:t>
+            </a:r>
+            <a:endParaRPr lang="en-US" dirty="0">
+              <a:solidFill>
+                <a:srgbClr val="1F497D"/>
+              </a:solidFill>
+            </a:endParaRPr>
+          </a:p>
+        </p:txBody>
+      </p:sp>
+    </p:spTree>
+    <p:extLst>
+      <p:ext uri="{BB962C8B-B14F-4D97-AF65-F5344CB8AC3E}">
+        <p14:creationId xmlns:p14="http://schemas.microsoft.com/office/powerpoint/2010/main" val="786840279"/>
       </p:ext>
     </p:extLst>
   </p:cSld>
